--- a/Chapter24/Segment Tree.pptx
+++ b/Chapter24/Segment Tree.pptx
@@ -26,13 +26,14 @@
     <p:sldId id="278" r:id="rId20"/>
     <p:sldId id="281" r:id="rId21"/>
     <p:sldId id="282" r:id="rId22"/>
-    <p:sldId id="279" r:id="rId23"/>
-    <p:sldId id="280" r:id="rId24"/>
-    <p:sldId id="259" r:id="rId25"/>
-    <p:sldId id="260" r:id="rId26"/>
-    <p:sldId id="261" r:id="rId27"/>
-    <p:sldId id="262" r:id="rId28"/>
-    <p:sldId id="283" r:id="rId29"/>
+    <p:sldId id="284" r:id="rId23"/>
+    <p:sldId id="279" r:id="rId24"/>
+    <p:sldId id="280" r:id="rId25"/>
+    <p:sldId id="259" r:id="rId26"/>
+    <p:sldId id="260" r:id="rId27"/>
+    <p:sldId id="261" r:id="rId28"/>
+    <p:sldId id="262" r:id="rId29"/>
+    <p:sldId id="283" r:id="rId30"/>
   </p:sldIdLst>
   <p:sldSz cx="12192000" cy="6858000"/>
   <p:notesSz cx="6858000" cy="9144000"/>
@@ -5839,7 +5840,11 @@
           <a:p>
             <a:r>
               <a:rPr lang="en-US" altLang="ko-KR" dirty="0" smtClean="0"/>
-              <a:t>Segment Tree</a:t>
+              <a:t>Segment Tree </a:t>
+            </a:r>
+            <a:r>
+              <a:rPr lang="ko-KR" altLang="en-US" dirty="0" smtClean="0"/>
+              <a:t>구현</a:t>
             </a:r>
             <a:endParaRPr lang="ko-KR" altLang="en-US" dirty="0"/>
           </a:p>
@@ -5857,63 +5862,77 @@
         </p:nvSpPr>
         <p:spPr/>
         <p:txBody>
-          <a:bodyPr/>
-          <a:lstStyle/>
-          <a:p>
-            <a:r>
-              <a:rPr lang="ko-KR" altLang="en-US" dirty="0" smtClean="0"/>
-              <a:t>내 것으로 만들어 봅시다</a:t>
-            </a:r>
-            <a:r>
-              <a:rPr lang="en-US" altLang="ko-KR" dirty="0" smtClean="0"/>
-              <a:t>.</a:t>
-            </a:r>
-          </a:p>
-          <a:p>
-            <a:endParaRPr lang="en-US" altLang="ko-KR" dirty="0"/>
-          </a:p>
+          <a:bodyPr>
+            <a:normAutofit/>
+          </a:bodyPr>
+          <a:lstStyle/>
           <a:p>
             <a:pPr marL="0" indent="0">
               <a:buNone/>
             </a:pPr>
             <a:r>
-              <a:rPr lang="en-US" altLang="ko-KR" dirty="0" smtClean="0">
-                <a:hlinkClick r:id="rId2"/>
-              </a:rPr>
-              <a:t>https://www.acmicpc.net/problem/2042</a:t>
-            </a:r>
-            <a:endParaRPr lang="en-US" altLang="ko-KR" dirty="0" smtClean="0"/>
+              <a:rPr lang="ko-KR" altLang="en-US" sz="4000" dirty="0" smtClean="0"/>
+              <a:t>다음 </a:t>
+            </a:r>
+            <a:r>
+              <a:rPr lang="en-US" altLang="ko-KR" sz="4000" dirty="0" smtClean="0"/>
+              <a:t>node</a:t>
+            </a:r>
+            <a:r>
+              <a:rPr lang="ko-KR" altLang="en-US" sz="4000" dirty="0" smtClean="0"/>
+              <a:t>로 넘어갈 때의 </a:t>
+            </a:r>
+            <a:r>
+              <a:rPr lang="en-US" altLang="ko-KR" sz="4000" dirty="0" smtClean="0"/>
+              <a:t>index</a:t>
+            </a:r>
           </a:p>
           <a:p>
             <a:pPr marL="0" indent="0">
               <a:buNone/>
             </a:pPr>
-            <a:r>
-              <a:rPr lang="en-US" altLang="ko-KR" dirty="0" smtClean="0">
-                <a:hlinkClick r:id="rId3"/>
-              </a:rPr>
-              <a:t>https://www.acmicpc.net/problem/10868</a:t>
-            </a:r>
-            <a:endParaRPr lang="en-US" altLang="ko-KR" dirty="0" smtClean="0"/>
+            <a:endParaRPr lang="en-US" altLang="ko-KR" sz="4000" dirty="0"/>
           </a:p>
           <a:p>
             <a:pPr marL="0" indent="0">
               <a:buNone/>
             </a:pPr>
             <a:r>
-              <a:rPr lang="en-US" altLang="ko-KR" dirty="0" smtClean="0">
-                <a:hlinkClick r:id="rId4"/>
-              </a:rPr>
-              <a:t>https://www.acmicpc.net/problem/2357</a:t>
-            </a:r>
-            <a:endParaRPr lang="ko-KR" altLang="en-US" dirty="0"/>
+              <a:rPr lang="ko-KR" altLang="en-US" sz="4000" dirty="0" smtClean="0"/>
+              <a:t>첫 번째 </a:t>
+            </a:r>
+            <a:r>
+              <a:rPr lang="en-US" altLang="ko-KR" sz="4000" dirty="0" smtClean="0"/>
+              <a:t>node</a:t>
+            </a:r>
+            <a:r>
+              <a:rPr lang="ko-KR" altLang="en-US" sz="4000" dirty="0" smtClean="0"/>
+              <a:t>가 </a:t>
+            </a:r>
+            <a:r>
+              <a:rPr lang="en-US" altLang="ko-KR" sz="4000" dirty="0" smtClean="0"/>
+              <a:t>1</a:t>
+            </a:r>
+            <a:r>
+              <a:rPr lang="ko-KR" altLang="en-US" sz="4000" dirty="0" smtClean="0"/>
+              <a:t>로 시작하느냐 </a:t>
+            </a:r>
+            <a:r>
+              <a:rPr lang="en-US" altLang="ko-KR" sz="4000" dirty="0" smtClean="0"/>
+              <a:t>0</a:t>
+            </a:r>
+            <a:r>
+              <a:rPr lang="ko-KR" altLang="en-US" sz="4000" dirty="0" smtClean="0"/>
+              <a:t>으로 시작하느냐</a:t>
+            </a:r>
+            <a:endParaRPr lang="ko-KR" altLang="en-US" sz="2000" dirty="0"/>
           </a:p>
         </p:txBody>
       </p:sp>
     </p:spTree>
     <p:extLst>
       <p:ext uri="{BB962C8B-B14F-4D97-AF65-F5344CB8AC3E}">
-        <p14:creationId xmlns:p14="http://schemas.microsoft.com/office/powerpoint/2010/main" val="3935752082"/>
+        <p14:creationId xmlns:p14="http://schemas.microsoft.com/office/powerpoint/2010/main" val="3996342501"/>
       </p:ext>
     </p:extLst>
   </p:cSld>
@@ -5970,92 +5989,75 @@
           </a:p>
         </p:txBody>
       </p:sp>
-      <p:pic>
-        <p:nvPicPr>
-          <p:cNvPr id="4" name="내용 개체 틀 5" descr="세그먼트 트리 (Segment Tree) - Chrome"/>
-          <p:cNvPicPr>
-            <a:picLocks noGrp="1" noChangeAspect="1"/>
-          </p:cNvPicPr>
+      <p:sp>
+        <p:nvSpPr>
+          <p:cNvPr id="3" name="내용 개체 틀 2"/>
+          <p:cNvSpPr>
+            <a:spLocks noGrp="1"/>
+          </p:cNvSpPr>
           <p:nvPr>
             <p:ph idx="1"/>
           </p:nvPr>
-        </p:nvPicPr>
-        <p:blipFill rotWithShape="1">
-          <a:blip r:embed="rId2">
-            <a:extLst>
-              <a:ext uri="{28A0092B-C50C-407E-A947-70E740481C1C}">
-                <a14:useLocalDpi xmlns:a14="http://schemas.microsoft.com/office/drawing/2010/main" val="0"/>
-              </a:ext>
-            </a:extLst>
-          </a:blip>
-          <a:srcRect l="4981" t="20361" r="31971" b="22767"/>
-          <a:stretch/>
-        </p:blipFill>
-        <p:spPr>
-          <a:xfrm>
-            <a:off x="838200" y="1562101"/>
-            <a:ext cx="9929679" cy="4810125"/>
-          </a:xfrm>
-        </p:spPr>
-      </p:pic>
-      <p:sp>
-        <p:nvSpPr>
-          <p:cNvPr id="5" name="TextBox 4"/>
-          <p:cNvSpPr txBox="1"/>
-          <p:nvPr/>
-        </p:nvSpPr>
-        <p:spPr>
-          <a:xfrm>
-            <a:off x="7268123" y="1054269"/>
-            <a:ext cx="4923877" cy="1015663"/>
-          </a:xfrm>
-          <a:prstGeom prst="rect">
-            <a:avLst/>
-          </a:prstGeom>
-          <a:noFill/>
-        </p:spPr>
-        <p:txBody>
-          <a:bodyPr wrap="square" rtlCol="0">
-            <a:spAutoFit/>
-          </a:bodyPr>
-          <a:lstStyle/>
-          <a:p>
-            <a:r>
-              <a:rPr lang="ko-KR" altLang="en-US" sz="2000" dirty="0" smtClean="0"/>
-              <a:t>만약 이미 </a:t>
-            </a:r>
-            <a:r>
-              <a:rPr lang="en-US" altLang="ko-KR" sz="2000" dirty="0" smtClean="0"/>
-              <a:t>segment tree</a:t>
-            </a:r>
-            <a:r>
-              <a:rPr lang="ko-KR" altLang="en-US" sz="2000" dirty="0" smtClean="0"/>
-              <a:t>를 만들어 놓은 상황에서 </a:t>
-            </a:r>
-            <a:r>
-              <a:rPr lang="en-US" altLang="ko-KR" sz="2000" dirty="0" smtClean="0"/>
-              <a:t>7</a:t>
-            </a:r>
-            <a:r>
-              <a:rPr lang="ko-KR" altLang="en-US" sz="2000" dirty="0" smtClean="0"/>
-              <a:t>번의 값을 바꾼다면 영향을 받는 </a:t>
-            </a:r>
-            <a:r>
-              <a:rPr lang="en-US" altLang="ko-KR" sz="2000" dirty="0" smtClean="0"/>
-              <a:t>node</a:t>
-            </a:r>
-            <a:r>
-              <a:rPr lang="ko-KR" altLang="en-US" sz="2000" dirty="0" smtClean="0"/>
-              <a:t>는 무엇무엇인가요</a:t>
-            </a:r>
-            <a:endParaRPr lang="ko-KR" altLang="en-US" sz="2000" dirty="0"/>
+        </p:nvSpPr>
+        <p:spPr/>
+        <p:txBody>
+          <a:bodyPr/>
+          <a:lstStyle/>
+          <a:p>
+            <a:r>
+              <a:rPr lang="ko-KR" altLang="en-US" dirty="0" smtClean="0"/>
+              <a:t>내 것으로 만들어 봅시다</a:t>
+            </a:r>
+            <a:r>
+              <a:rPr lang="en-US" altLang="ko-KR" dirty="0" smtClean="0"/>
+              <a:t>.</a:t>
+            </a:r>
+          </a:p>
+          <a:p>
+            <a:endParaRPr lang="en-US" altLang="ko-KR" dirty="0"/>
+          </a:p>
+          <a:p>
+            <a:pPr marL="0" indent="0">
+              <a:buNone/>
+            </a:pPr>
+            <a:r>
+              <a:rPr lang="en-US" altLang="ko-KR" dirty="0" smtClean="0">
+                <a:hlinkClick r:id="rId2"/>
+              </a:rPr>
+              <a:t>https://www.acmicpc.net/problem/2042</a:t>
+            </a:r>
+            <a:endParaRPr lang="en-US" altLang="ko-KR" dirty="0" smtClean="0"/>
+          </a:p>
+          <a:p>
+            <a:pPr marL="0" indent="0">
+              <a:buNone/>
+            </a:pPr>
+            <a:r>
+              <a:rPr lang="en-US" altLang="ko-KR" dirty="0" smtClean="0">
+                <a:hlinkClick r:id="rId3"/>
+              </a:rPr>
+              <a:t>https://www.acmicpc.net/problem/10868</a:t>
+            </a:r>
+            <a:endParaRPr lang="en-US" altLang="ko-KR" dirty="0" smtClean="0"/>
+          </a:p>
+          <a:p>
+            <a:pPr marL="0" indent="0">
+              <a:buNone/>
+            </a:pPr>
+            <a:r>
+              <a:rPr lang="en-US" altLang="ko-KR" dirty="0" smtClean="0">
+                <a:hlinkClick r:id="rId4"/>
+              </a:rPr>
+              <a:t>https://www.acmicpc.net/problem/2357</a:t>
+            </a:r>
+            <a:endParaRPr lang="ko-KR" altLang="en-US" dirty="0"/>
           </a:p>
         </p:txBody>
       </p:sp>
     </p:spTree>
     <p:extLst>
       <p:ext uri="{BB962C8B-B14F-4D97-AF65-F5344CB8AC3E}">
-        <p14:creationId xmlns:p14="http://schemas.microsoft.com/office/powerpoint/2010/main" val="2807168462"/>
+        <p14:creationId xmlns:p14="http://schemas.microsoft.com/office/powerpoint/2010/main" val="3935752082"/>
       </p:ext>
     </p:extLst>
   </p:cSld>
@@ -6104,33 +6106,100 @@
           <a:bodyPr/>
           <a:lstStyle/>
           <a:p>
-            <a:endParaRPr lang="ko-KR" altLang="en-US"/>
-          </a:p>
-        </p:txBody>
-      </p:sp>
-      <p:sp>
-        <p:nvSpPr>
-          <p:cNvPr id="3" name="내용 개체 틀 2"/>
-          <p:cNvSpPr>
-            <a:spLocks noGrp="1"/>
-          </p:cNvSpPr>
+            <a:r>
+              <a:rPr lang="en-US" altLang="ko-KR" dirty="0" smtClean="0"/>
+              <a:t>Segment Tree</a:t>
+            </a:r>
+            <a:endParaRPr lang="ko-KR" altLang="en-US" dirty="0"/>
+          </a:p>
+        </p:txBody>
+      </p:sp>
+      <p:pic>
+        <p:nvPicPr>
+          <p:cNvPr id="4" name="내용 개체 틀 5" descr="세그먼트 트리 (Segment Tree) - Chrome"/>
+          <p:cNvPicPr>
+            <a:picLocks noGrp="1" noChangeAspect="1"/>
+          </p:cNvPicPr>
           <p:nvPr>
             <p:ph idx="1"/>
           </p:nvPr>
-        </p:nvSpPr>
-        <p:spPr/>
-        <p:txBody>
-          <a:bodyPr/>
-          <a:lstStyle/>
-          <a:p>
-            <a:endParaRPr lang="ko-KR" altLang="en-US"/>
+        </p:nvPicPr>
+        <p:blipFill rotWithShape="1">
+          <a:blip r:embed="rId2">
+            <a:extLst>
+              <a:ext uri="{28A0092B-C50C-407E-A947-70E740481C1C}">
+                <a14:useLocalDpi xmlns:a14="http://schemas.microsoft.com/office/drawing/2010/main" val="0"/>
+              </a:ext>
+            </a:extLst>
+          </a:blip>
+          <a:srcRect l="4981" t="20361" r="31971" b="22767"/>
+          <a:stretch/>
+        </p:blipFill>
+        <p:spPr>
+          <a:xfrm>
+            <a:off x="838200" y="1562101"/>
+            <a:ext cx="9929679" cy="4810125"/>
+          </a:xfrm>
+        </p:spPr>
+      </p:pic>
+      <p:sp>
+        <p:nvSpPr>
+          <p:cNvPr id="5" name="TextBox 4"/>
+          <p:cNvSpPr txBox="1"/>
+          <p:nvPr/>
+        </p:nvSpPr>
+        <p:spPr>
+          <a:xfrm>
+            <a:off x="7268123" y="1054269"/>
+            <a:ext cx="4923877" cy="1015663"/>
+          </a:xfrm>
+          <a:prstGeom prst="rect">
+            <a:avLst/>
+          </a:prstGeom>
+          <a:noFill/>
+        </p:spPr>
+        <p:txBody>
+          <a:bodyPr wrap="square" rtlCol="0">
+            <a:spAutoFit/>
+          </a:bodyPr>
+          <a:lstStyle/>
+          <a:p>
+            <a:r>
+              <a:rPr lang="ko-KR" altLang="en-US" sz="2000" dirty="0" smtClean="0"/>
+              <a:t>만약 이미 </a:t>
+            </a:r>
+            <a:r>
+              <a:rPr lang="en-US" altLang="ko-KR" sz="2000" dirty="0" smtClean="0"/>
+              <a:t>segment tree</a:t>
+            </a:r>
+            <a:r>
+              <a:rPr lang="ko-KR" altLang="en-US" sz="2000" dirty="0" smtClean="0"/>
+              <a:t>를 만들어 놓은 상황에서 </a:t>
+            </a:r>
+            <a:r>
+              <a:rPr lang="en-US" altLang="ko-KR" sz="2000" dirty="0" smtClean="0"/>
+              <a:t>7</a:t>
+            </a:r>
+            <a:r>
+              <a:rPr lang="ko-KR" altLang="en-US" sz="2000" dirty="0" smtClean="0"/>
+              <a:t>번의 값을 바꾼다면 영향을 받는 </a:t>
+            </a:r>
+            <a:r>
+              <a:rPr lang="en-US" altLang="ko-KR" sz="2000" dirty="0" smtClean="0"/>
+              <a:t>node</a:t>
+            </a:r>
+            <a:r>
+              <a:rPr lang="ko-KR" altLang="en-US" sz="2000" dirty="0" smtClean="0"/>
+              <a:t>는 무엇무엇인가요</a:t>
+            </a:r>
+            <a:endParaRPr lang="ko-KR" altLang="en-US" sz="2000" dirty="0"/>
           </a:p>
         </p:txBody>
       </p:sp>
     </p:spTree>
     <p:extLst>
       <p:ext uri="{BB962C8B-B14F-4D97-AF65-F5344CB8AC3E}">
-        <p14:creationId xmlns:p14="http://schemas.microsoft.com/office/powerpoint/2010/main" val="481761023"/>
+        <p14:creationId xmlns:p14="http://schemas.microsoft.com/office/powerpoint/2010/main" val="2807168462"/>
       </p:ext>
     </p:extLst>
   </p:cSld>
@@ -6205,7 +6274,7 @@
     </p:spTree>
     <p:extLst>
       <p:ext uri="{BB962C8B-B14F-4D97-AF65-F5344CB8AC3E}">
-        <p14:creationId xmlns:p14="http://schemas.microsoft.com/office/powerpoint/2010/main" val="2741836076"/>
+        <p14:creationId xmlns:p14="http://schemas.microsoft.com/office/powerpoint/2010/main" val="481761023"/>
       </p:ext>
     </p:extLst>
   </p:cSld>
@@ -6280,13 +6349,20 @@
     </p:spTree>
     <p:extLst>
       <p:ext uri="{BB962C8B-B14F-4D97-AF65-F5344CB8AC3E}">
-        <p14:creationId xmlns:p14="http://schemas.microsoft.com/office/powerpoint/2010/main" val="4060885669"/>
+        <p14:creationId xmlns:p14="http://schemas.microsoft.com/office/powerpoint/2010/main" val="2741836076"/>
       </p:ext>
     </p:extLst>
   </p:cSld>
   <p:clrMapOvr>
     <a:masterClrMapping/>
   </p:clrMapOvr>
+  <p:timing>
+    <p:tnLst>
+      <p:par>
+        <p:cTn id="1" dur="indefinite" restart="never" nodeType="tmRoot"/>
+      </p:par>
+    </p:tnLst>
+  </p:timing>
 </p:sld>
 </file>
 
@@ -6322,11 +6398,7 @@
           <a:bodyPr/>
           <a:lstStyle/>
           <a:p>
-            <a:r>
-              <a:rPr lang="ko-KR" altLang="en-US" dirty="0" smtClean="0"/>
-              <a:t>숙제</a:t>
-            </a:r>
-            <a:endParaRPr lang="ko-KR" altLang="en-US" dirty="0"/>
+            <a:endParaRPr lang="ko-KR" altLang="en-US"/>
           </a:p>
         </p:txBody>
       </p:sp>
@@ -6345,51 +6417,14 @@
           <a:bodyPr/>
           <a:lstStyle/>
           <a:p>
-            <a:r>
-              <a:rPr lang="en-US" altLang="ko-KR" dirty="0" smtClean="0">
-                <a:hlinkClick r:id="rId2"/>
-              </a:rPr>
-              <a:t>https://www.acmicpc.net/problem/7469</a:t>
-            </a:r>
-            <a:endParaRPr lang="en-US" altLang="ko-KR" dirty="0" smtClean="0"/>
-          </a:p>
-          <a:p>
-            <a:r>
-              <a:rPr lang="en-US" altLang="ko-KR" dirty="0" smtClean="0">
-                <a:hlinkClick r:id="rId3"/>
-              </a:rPr>
-              <a:t>https://www.acmicpc.net/problem/12837</a:t>
-            </a:r>
-            <a:endParaRPr lang="en-US" altLang="ko-KR" dirty="0" smtClean="0"/>
-          </a:p>
-          <a:p>
-            <a:endParaRPr lang="en-US" altLang="ko-KR" dirty="0"/>
-          </a:p>
-          <a:p>
-            <a:pPr marL="0" indent="0">
-              <a:buNone/>
-            </a:pPr>
-            <a:r>
-              <a:rPr lang="ko-KR" altLang="en-US" dirty="0" smtClean="0"/>
-              <a:t>예제 </a:t>
-            </a:r>
-            <a:r>
-              <a:rPr lang="en-US" altLang="ko-KR" dirty="0" smtClean="0"/>
-              <a:t>2.</a:t>
-            </a:r>
-          </a:p>
-          <a:p>
-            <a:pPr marL="0" indent="0">
-              <a:buNone/>
-            </a:pPr>
-            <a:endParaRPr lang="ko-KR" altLang="en-US" dirty="0"/>
+            <a:endParaRPr lang="ko-KR" altLang="en-US"/>
           </a:p>
         </p:txBody>
       </p:sp>
     </p:spTree>
     <p:extLst>
       <p:ext uri="{BB962C8B-B14F-4D97-AF65-F5344CB8AC3E}">
-        <p14:creationId xmlns:p14="http://schemas.microsoft.com/office/powerpoint/2010/main" val="3072201653"/>
+        <p14:creationId xmlns:p14="http://schemas.microsoft.com/office/powerpoint/2010/main" val="4060885669"/>
       </p:ext>
     </p:extLst>
   </p:cSld>
@@ -6440,6 +6475,122 @@
           <a:p>
             <a:r>
               <a:rPr lang="ko-KR" altLang="en-US" dirty="0" smtClean="0"/>
+              <a:t>숙제</a:t>
+            </a:r>
+            <a:endParaRPr lang="ko-KR" altLang="en-US" dirty="0"/>
+          </a:p>
+        </p:txBody>
+      </p:sp>
+      <p:sp>
+        <p:nvSpPr>
+          <p:cNvPr id="3" name="내용 개체 틀 2"/>
+          <p:cNvSpPr>
+            <a:spLocks noGrp="1"/>
+          </p:cNvSpPr>
+          <p:nvPr>
+            <p:ph idx="1"/>
+          </p:nvPr>
+        </p:nvSpPr>
+        <p:spPr/>
+        <p:txBody>
+          <a:bodyPr/>
+          <a:lstStyle/>
+          <a:p>
+            <a:r>
+              <a:rPr lang="en-US" altLang="ko-KR" dirty="0" smtClean="0">
+                <a:hlinkClick r:id="rId2"/>
+              </a:rPr>
+              <a:t>https://www.acmicpc.net/problem/7469</a:t>
+            </a:r>
+            <a:endParaRPr lang="en-US" altLang="ko-KR" dirty="0" smtClean="0"/>
+          </a:p>
+          <a:p>
+            <a:r>
+              <a:rPr lang="en-US" altLang="ko-KR" dirty="0" smtClean="0">
+                <a:hlinkClick r:id="rId3"/>
+              </a:rPr>
+              <a:t>https://www.acmicpc.net/problem/12837</a:t>
+            </a:r>
+            <a:endParaRPr lang="en-US" altLang="ko-KR" dirty="0" smtClean="0"/>
+          </a:p>
+          <a:p>
+            <a:endParaRPr lang="en-US" altLang="ko-KR" dirty="0"/>
+          </a:p>
+          <a:p>
+            <a:pPr marL="0" indent="0">
+              <a:buNone/>
+            </a:pPr>
+            <a:r>
+              <a:rPr lang="ko-KR" altLang="en-US" dirty="0" smtClean="0"/>
+              <a:t>예제 </a:t>
+            </a:r>
+            <a:r>
+              <a:rPr lang="en-US" altLang="ko-KR" dirty="0" smtClean="0"/>
+              <a:t>2.</a:t>
+            </a:r>
+          </a:p>
+          <a:p>
+            <a:pPr marL="0" indent="0">
+              <a:buNone/>
+            </a:pPr>
+            <a:endParaRPr lang="ko-KR" altLang="en-US" dirty="0"/>
+          </a:p>
+        </p:txBody>
+      </p:sp>
+    </p:spTree>
+    <p:extLst>
+      <p:ext uri="{BB962C8B-B14F-4D97-AF65-F5344CB8AC3E}">
+        <p14:creationId xmlns:p14="http://schemas.microsoft.com/office/powerpoint/2010/main" val="3072201653"/>
+      </p:ext>
+    </p:extLst>
+  </p:cSld>
+  <p:clrMapOvr>
+    <a:masterClrMapping/>
+  </p:clrMapOvr>
+  <p:timing>
+    <p:tnLst>
+      <p:par>
+        <p:cTn id="1" dur="indefinite" restart="never" nodeType="tmRoot"/>
+      </p:par>
+    </p:tnLst>
+  </p:timing>
+</p:sld>
+</file>
+
+<file path=ppt/slides/slide29.xml><?xml version="1.0" encoding="utf-8"?>
+<p:sld xmlns:a="http://schemas.openxmlformats.org/drawingml/2006/main" xmlns:r="http://schemas.openxmlformats.org/officeDocument/2006/relationships" xmlns:p="http://schemas.openxmlformats.org/presentationml/2006/main">
+  <p:cSld>
+    <p:spTree>
+      <p:nvGrpSpPr>
+        <p:cNvPr id="1" name=""/>
+        <p:cNvGrpSpPr/>
+        <p:nvPr/>
+      </p:nvGrpSpPr>
+      <p:grpSpPr>
+        <a:xfrm>
+          <a:off x="0" y="0"/>
+          <a:ext cx="0" cy="0"/>
+          <a:chOff x="0" y="0"/>
+          <a:chExt cx="0" cy="0"/>
+        </a:xfrm>
+      </p:grpSpPr>
+      <p:sp>
+        <p:nvSpPr>
+          <p:cNvPr id="2" name="제목 1"/>
+          <p:cNvSpPr>
+            <a:spLocks noGrp="1"/>
+          </p:cNvSpPr>
+          <p:nvPr>
+            <p:ph type="title"/>
+          </p:nvPr>
+        </p:nvSpPr>
+        <p:spPr/>
+        <p:txBody>
+          <a:bodyPr/>
+          <a:lstStyle/>
+          <a:p>
+            <a:r>
+              <a:rPr lang="ko-KR" altLang="en-US" dirty="0" smtClean="0"/>
               <a:t>다음시간에 할 것은</a:t>
             </a:r>
             <a:r>
@@ -6489,10 +6640,10 @@
               <a:buNone/>
             </a:pPr>
             <a:r>
-              <a:rPr lang="en-US" altLang="ko-KR" dirty="0" smtClean="0"/>
+              <a:rPr lang="en-US" altLang="ko-KR" b="1" dirty="0" smtClean="0"/>
               <a:t>segment tree with lazy propagation</a:t>
             </a:r>
-            <a:endParaRPr lang="ko-KR" altLang="en-US" dirty="0"/>
+            <a:endParaRPr lang="ko-KR" altLang="en-US" b="1" dirty="0"/>
           </a:p>
         </p:txBody>
       </p:sp>

--- a/Chapter24/Segment Tree.pptx
+++ b/Chapter24/Segment Tree.pptx
@@ -29,11 +29,8 @@
     <p:sldId id="284" r:id="rId23"/>
     <p:sldId id="279" r:id="rId24"/>
     <p:sldId id="280" r:id="rId25"/>
-    <p:sldId id="259" r:id="rId26"/>
-    <p:sldId id="260" r:id="rId27"/>
-    <p:sldId id="261" r:id="rId28"/>
-    <p:sldId id="262" r:id="rId29"/>
-    <p:sldId id="283" r:id="rId30"/>
+    <p:sldId id="262" r:id="rId26"/>
+    <p:sldId id="283" r:id="rId27"/>
   </p:sldIdLst>
   <p:sldSz cx="12192000" cy="6858000"/>
   <p:notesSz cx="6858000" cy="9144000"/>
@@ -6248,231 +6245,6 @@
           <a:bodyPr/>
           <a:lstStyle/>
           <a:p>
-            <a:endParaRPr lang="ko-KR" altLang="en-US"/>
-          </a:p>
-        </p:txBody>
-      </p:sp>
-      <p:sp>
-        <p:nvSpPr>
-          <p:cNvPr id="3" name="내용 개체 틀 2"/>
-          <p:cNvSpPr>
-            <a:spLocks noGrp="1"/>
-          </p:cNvSpPr>
-          <p:nvPr>
-            <p:ph idx="1"/>
-          </p:nvPr>
-        </p:nvSpPr>
-        <p:spPr/>
-        <p:txBody>
-          <a:bodyPr/>
-          <a:lstStyle/>
-          <a:p>
-            <a:endParaRPr lang="ko-KR" altLang="en-US"/>
-          </a:p>
-        </p:txBody>
-      </p:sp>
-    </p:spTree>
-    <p:extLst>
-      <p:ext uri="{BB962C8B-B14F-4D97-AF65-F5344CB8AC3E}">
-        <p14:creationId xmlns:p14="http://schemas.microsoft.com/office/powerpoint/2010/main" val="481761023"/>
-      </p:ext>
-    </p:extLst>
-  </p:cSld>
-  <p:clrMapOvr>
-    <a:masterClrMapping/>
-  </p:clrMapOvr>
-  <p:timing>
-    <p:tnLst>
-      <p:par>
-        <p:cTn id="1" dur="indefinite" restart="never" nodeType="tmRoot"/>
-      </p:par>
-    </p:tnLst>
-  </p:timing>
-</p:sld>
-</file>
-
-<file path=ppt/slides/slide26.xml><?xml version="1.0" encoding="utf-8"?>
-<p:sld xmlns:a="http://schemas.openxmlformats.org/drawingml/2006/main" xmlns:r="http://schemas.openxmlformats.org/officeDocument/2006/relationships" xmlns:p="http://schemas.openxmlformats.org/presentationml/2006/main">
-  <p:cSld>
-    <p:spTree>
-      <p:nvGrpSpPr>
-        <p:cNvPr id="1" name=""/>
-        <p:cNvGrpSpPr/>
-        <p:nvPr/>
-      </p:nvGrpSpPr>
-      <p:grpSpPr>
-        <a:xfrm>
-          <a:off x="0" y="0"/>
-          <a:ext cx="0" cy="0"/>
-          <a:chOff x="0" y="0"/>
-          <a:chExt cx="0" cy="0"/>
-        </a:xfrm>
-      </p:grpSpPr>
-      <p:sp>
-        <p:nvSpPr>
-          <p:cNvPr id="2" name="제목 1"/>
-          <p:cNvSpPr>
-            <a:spLocks noGrp="1"/>
-          </p:cNvSpPr>
-          <p:nvPr>
-            <p:ph type="title"/>
-          </p:nvPr>
-        </p:nvSpPr>
-        <p:spPr/>
-        <p:txBody>
-          <a:bodyPr/>
-          <a:lstStyle/>
-          <a:p>
-            <a:endParaRPr lang="ko-KR" altLang="en-US"/>
-          </a:p>
-        </p:txBody>
-      </p:sp>
-      <p:sp>
-        <p:nvSpPr>
-          <p:cNvPr id="3" name="내용 개체 틀 2"/>
-          <p:cNvSpPr>
-            <a:spLocks noGrp="1"/>
-          </p:cNvSpPr>
-          <p:nvPr>
-            <p:ph idx="1"/>
-          </p:nvPr>
-        </p:nvSpPr>
-        <p:spPr/>
-        <p:txBody>
-          <a:bodyPr/>
-          <a:lstStyle/>
-          <a:p>
-            <a:endParaRPr lang="ko-KR" altLang="en-US"/>
-          </a:p>
-        </p:txBody>
-      </p:sp>
-    </p:spTree>
-    <p:extLst>
-      <p:ext uri="{BB962C8B-B14F-4D97-AF65-F5344CB8AC3E}">
-        <p14:creationId xmlns:p14="http://schemas.microsoft.com/office/powerpoint/2010/main" val="2741836076"/>
-      </p:ext>
-    </p:extLst>
-  </p:cSld>
-  <p:clrMapOvr>
-    <a:masterClrMapping/>
-  </p:clrMapOvr>
-  <p:timing>
-    <p:tnLst>
-      <p:par>
-        <p:cTn id="1" dur="indefinite" restart="never" nodeType="tmRoot"/>
-      </p:par>
-    </p:tnLst>
-  </p:timing>
-</p:sld>
-</file>
-
-<file path=ppt/slides/slide27.xml><?xml version="1.0" encoding="utf-8"?>
-<p:sld xmlns:a="http://schemas.openxmlformats.org/drawingml/2006/main" xmlns:r="http://schemas.openxmlformats.org/officeDocument/2006/relationships" xmlns:p="http://schemas.openxmlformats.org/presentationml/2006/main">
-  <p:cSld>
-    <p:spTree>
-      <p:nvGrpSpPr>
-        <p:cNvPr id="1" name=""/>
-        <p:cNvGrpSpPr/>
-        <p:nvPr/>
-      </p:nvGrpSpPr>
-      <p:grpSpPr>
-        <a:xfrm>
-          <a:off x="0" y="0"/>
-          <a:ext cx="0" cy="0"/>
-          <a:chOff x="0" y="0"/>
-          <a:chExt cx="0" cy="0"/>
-        </a:xfrm>
-      </p:grpSpPr>
-      <p:sp>
-        <p:nvSpPr>
-          <p:cNvPr id="2" name="제목 1"/>
-          <p:cNvSpPr>
-            <a:spLocks noGrp="1"/>
-          </p:cNvSpPr>
-          <p:nvPr>
-            <p:ph type="title"/>
-          </p:nvPr>
-        </p:nvSpPr>
-        <p:spPr/>
-        <p:txBody>
-          <a:bodyPr/>
-          <a:lstStyle/>
-          <a:p>
-            <a:endParaRPr lang="ko-KR" altLang="en-US"/>
-          </a:p>
-        </p:txBody>
-      </p:sp>
-      <p:sp>
-        <p:nvSpPr>
-          <p:cNvPr id="3" name="내용 개체 틀 2"/>
-          <p:cNvSpPr>
-            <a:spLocks noGrp="1"/>
-          </p:cNvSpPr>
-          <p:nvPr>
-            <p:ph idx="1"/>
-          </p:nvPr>
-        </p:nvSpPr>
-        <p:spPr/>
-        <p:txBody>
-          <a:bodyPr/>
-          <a:lstStyle/>
-          <a:p>
-            <a:endParaRPr lang="ko-KR" altLang="en-US"/>
-          </a:p>
-        </p:txBody>
-      </p:sp>
-    </p:spTree>
-    <p:extLst>
-      <p:ext uri="{BB962C8B-B14F-4D97-AF65-F5344CB8AC3E}">
-        <p14:creationId xmlns:p14="http://schemas.microsoft.com/office/powerpoint/2010/main" val="4060885669"/>
-      </p:ext>
-    </p:extLst>
-  </p:cSld>
-  <p:clrMapOvr>
-    <a:masterClrMapping/>
-  </p:clrMapOvr>
-  <p:timing>
-    <p:tnLst>
-      <p:par>
-        <p:cTn id="1" dur="indefinite" restart="never" nodeType="tmRoot"/>
-      </p:par>
-    </p:tnLst>
-  </p:timing>
-</p:sld>
-</file>
-
-<file path=ppt/slides/slide28.xml><?xml version="1.0" encoding="utf-8"?>
-<p:sld xmlns:a="http://schemas.openxmlformats.org/drawingml/2006/main" xmlns:r="http://schemas.openxmlformats.org/officeDocument/2006/relationships" xmlns:p="http://schemas.openxmlformats.org/presentationml/2006/main">
-  <p:cSld>
-    <p:spTree>
-      <p:nvGrpSpPr>
-        <p:cNvPr id="1" name=""/>
-        <p:cNvGrpSpPr/>
-        <p:nvPr/>
-      </p:nvGrpSpPr>
-      <p:grpSpPr>
-        <a:xfrm>
-          <a:off x="0" y="0"/>
-          <a:ext cx="0" cy="0"/>
-          <a:chOff x="0" y="0"/>
-          <a:chExt cx="0" cy="0"/>
-        </a:xfrm>
-      </p:grpSpPr>
-      <p:sp>
-        <p:nvSpPr>
-          <p:cNvPr id="2" name="제목 1"/>
-          <p:cNvSpPr>
-            <a:spLocks noGrp="1"/>
-          </p:cNvSpPr>
-          <p:nvPr>
-            <p:ph type="title"/>
-          </p:nvPr>
-        </p:nvSpPr>
-        <p:spPr/>
-        <p:txBody>
-          <a:bodyPr/>
-          <a:lstStyle/>
-          <a:p>
             <a:r>
               <a:rPr lang="ko-KR" altLang="en-US" dirty="0" smtClean="0"/>
               <a:t>숙제</a:t>
@@ -6533,6 +6305,26 @@
             <a:pPr marL="0" indent="0">
               <a:buNone/>
             </a:pPr>
+            <a:endParaRPr lang="en-US" altLang="ko-KR" dirty="0" smtClean="0"/>
+          </a:p>
+          <a:p>
+            <a:pPr marL="0" indent="0">
+              <a:buNone/>
+            </a:pPr>
+            <a:r>
+              <a:rPr lang="en-US" altLang="ko-KR" dirty="0" smtClean="0"/>
+              <a:t>LCA</a:t>
+            </a:r>
+            <a:endParaRPr lang="en-US" altLang="ko-KR" dirty="0" smtClean="0"/>
+          </a:p>
+          <a:p>
+            <a:pPr marL="0" indent="0">
+              <a:buNone/>
+            </a:pPr>
+            <a:r>
+              <a:rPr lang="en-US" altLang="ko-KR" dirty="0"/>
+              <a:t>https://www.acmicpc.net/problem/11438</a:t>
+            </a:r>
             <a:endParaRPr lang="ko-KR" altLang="en-US" dirty="0"/>
           </a:p>
         </p:txBody>
@@ -6557,7 +6349,7 @@
 </p:sld>
 </file>
 
-<file path=ppt/slides/slide29.xml><?xml version="1.0" encoding="utf-8"?>
+<file path=ppt/slides/slide26.xml><?xml version="1.0" encoding="utf-8"?>
 <p:sld xmlns:a="http://schemas.openxmlformats.org/drawingml/2006/main" xmlns:r="http://schemas.openxmlformats.org/officeDocument/2006/relationships" xmlns:p="http://schemas.openxmlformats.org/presentationml/2006/main">
   <p:cSld>
     <p:spTree>

--- a/Chapter24/Segment Tree.pptx
+++ b/Chapter24/Segment Tree.pptx
@@ -140,11 +140,7 @@
 <file path=ppt/commentAuthors.xml><?xml version="1.0" encoding="utf-8"?>
 <p:cmAuthorLst xmlns:a="http://schemas.openxmlformats.org/drawingml/2006/main" xmlns:r="http://schemas.openxmlformats.org/officeDocument/2006/relationships" xmlns:p="http://schemas.openxmlformats.org/presentationml/2006/main">
   <p:cmAuthor id="1" name="Sangjo" initials="S" lastIdx="1" clrIdx="0">
-    <p:extLst>
-      <p:ext uri="{19B8F6BF-5375-455C-9EA6-DF929625EA0E}">
-        <p15:presenceInfo xmlns:p15="http://schemas.microsoft.com/office/powerpoint/2012/main" userId="Sangjo" providerId="None"/>
-      </p:ext>
-    </p:extLst>
+    <p:extLst/>
   </p:cmAuthor>
 </p:cmAuthorLst>
 </file>
@@ -280,7 +276,7 @@
           <a:p>
             <a:fld id="{5D9533A4-0289-472B-8164-D49F8DEF0182}" type="datetimeFigureOut">
               <a:rPr lang="ko-KR" altLang="en-US" smtClean="0"/>
-              <a:t>2017-12-02</a:t>
+              <a:t>2017. 12. 3.</a:t>
             </a:fld>
             <a:endParaRPr lang="ko-KR" altLang="en-US"/>
           </a:p>
@@ -450,7 +446,7 @@
           <a:p>
             <a:fld id="{5D9533A4-0289-472B-8164-D49F8DEF0182}" type="datetimeFigureOut">
               <a:rPr lang="ko-KR" altLang="en-US" smtClean="0"/>
-              <a:t>2017-12-02</a:t>
+              <a:t>2017. 12. 3.</a:t>
             </a:fld>
             <a:endParaRPr lang="ko-KR" altLang="en-US"/>
           </a:p>
@@ -630,7 +626,7 @@
           <a:p>
             <a:fld id="{5D9533A4-0289-472B-8164-D49F8DEF0182}" type="datetimeFigureOut">
               <a:rPr lang="ko-KR" altLang="en-US" smtClean="0"/>
-              <a:t>2017-12-02</a:t>
+              <a:t>2017. 12. 3.</a:t>
             </a:fld>
             <a:endParaRPr lang="ko-KR" altLang="en-US"/>
           </a:p>
@@ -800,7 +796,7 @@
           <a:p>
             <a:fld id="{5D9533A4-0289-472B-8164-D49F8DEF0182}" type="datetimeFigureOut">
               <a:rPr lang="ko-KR" altLang="en-US" smtClean="0"/>
-              <a:t>2017-12-02</a:t>
+              <a:t>2017. 12. 3.</a:t>
             </a:fld>
             <a:endParaRPr lang="ko-KR" altLang="en-US"/>
           </a:p>
@@ -1046,7 +1042,7 @@
           <a:p>
             <a:fld id="{5D9533A4-0289-472B-8164-D49F8DEF0182}" type="datetimeFigureOut">
               <a:rPr lang="ko-KR" altLang="en-US" smtClean="0"/>
-              <a:t>2017-12-02</a:t>
+              <a:t>2017. 12. 3.</a:t>
             </a:fld>
             <a:endParaRPr lang="ko-KR" altLang="en-US"/>
           </a:p>
@@ -1278,7 +1274,7 @@
           <a:p>
             <a:fld id="{5D9533A4-0289-472B-8164-D49F8DEF0182}" type="datetimeFigureOut">
               <a:rPr lang="ko-KR" altLang="en-US" smtClean="0"/>
-              <a:t>2017-12-02</a:t>
+              <a:t>2017. 12. 3.</a:t>
             </a:fld>
             <a:endParaRPr lang="ko-KR" altLang="en-US"/>
           </a:p>
@@ -1645,7 +1641,7 @@
           <a:p>
             <a:fld id="{5D9533A4-0289-472B-8164-D49F8DEF0182}" type="datetimeFigureOut">
               <a:rPr lang="ko-KR" altLang="en-US" smtClean="0"/>
-              <a:t>2017-12-02</a:t>
+              <a:t>2017. 12. 3.</a:t>
             </a:fld>
             <a:endParaRPr lang="ko-KR" altLang="en-US"/>
           </a:p>
@@ -1763,7 +1759,7 @@
           <a:p>
             <a:fld id="{5D9533A4-0289-472B-8164-D49F8DEF0182}" type="datetimeFigureOut">
               <a:rPr lang="ko-KR" altLang="en-US" smtClean="0"/>
-              <a:t>2017-12-02</a:t>
+              <a:t>2017. 12. 3.</a:t>
             </a:fld>
             <a:endParaRPr lang="ko-KR" altLang="en-US"/>
           </a:p>
@@ -1858,7 +1854,7 @@
           <a:p>
             <a:fld id="{5D9533A4-0289-472B-8164-D49F8DEF0182}" type="datetimeFigureOut">
               <a:rPr lang="ko-KR" altLang="en-US" smtClean="0"/>
-              <a:t>2017-12-02</a:t>
+              <a:t>2017. 12. 3.</a:t>
             </a:fld>
             <a:endParaRPr lang="ko-KR" altLang="en-US"/>
           </a:p>
@@ -2135,7 +2131,7 @@
           <a:p>
             <a:fld id="{5D9533A4-0289-472B-8164-D49F8DEF0182}" type="datetimeFigureOut">
               <a:rPr lang="ko-KR" altLang="en-US" smtClean="0"/>
-              <a:t>2017-12-02</a:t>
+              <a:t>2017. 12. 3.</a:t>
             </a:fld>
             <a:endParaRPr lang="ko-KR" altLang="en-US"/>
           </a:p>
@@ -2388,7 +2384,7 @@
           <a:p>
             <a:fld id="{5D9533A4-0289-472B-8164-D49F8DEF0182}" type="datetimeFigureOut">
               <a:rPr lang="ko-KR" altLang="en-US" smtClean="0"/>
-              <a:t>2017-12-02</a:t>
+              <a:t>2017. 12. 3.</a:t>
             </a:fld>
             <a:endParaRPr lang="ko-KR" altLang="en-US"/>
           </a:p>
@@ -2601,7 +2597,7 @@
           <a:p>
             <a:fld id="{5D9533A4-0289-472B-8164-D49F8DEF0182}" type="datetimeFigureOut">
               <a:rPr lang="ko-KR" altLang="en-US" smtClean="0"/>
-              <a:t>2017-12-02</a:t>
+              <a:t>2017. 12. 3.</a:t>
             </a:fld>
             <a:endParaRPr lang="ko-KR" altLang="en-US"/>
           </a:p>
@@ -6313,7 +6309,19 @@
             </a:pPr>
             <a:r>
               <a:rPr lang="en-US" altLang="ko-KR" dirty="0" smtClean="0"/>
-              <a:t>LCA</a:t>
+              <a:t>LCA - </a:t>
+            </a:r>
+            <a:r>
+              <a:rPr lang="en-US" altLang="ko-KR" dirty="0" err="1" smtClean="0"/>
+              <a:t>dfs</a:t>
+            </a:r>
+            <a:r>
+              <a:rPr lang="en-US" altLang="ko-KR" smtClean="0"/>
+              <a:t>,</a:t>
+            </a:r>
+            <a:r>
+              <a:rPr lang="ko-KR" altLang="en-US" smtClean="0"/>
+              <a:t> 부모를 저장</a:t>
             </a:r>
             <a:endParaRPr lang="en-US" altLang="ko-KR" dirty="0" smtClean="0"/>
           </a:p>
